--- a/Slides_GANs.pptx
+++ b/Slides_GANs.pptx
@@ -280,7 +280,7 @@
       </p15:sldGuideLst>
     </p:ext>
     <p:ext uri="http://customooxmlschemas.google.com/">
-      <go:slidesCustomData xmlns:go="http://customooxmlschemas.google.com/" r:id="rId22" roundtripDataSignature="AMtx7miJ4kUzVZNQIL1jVSYatdVL6mgO1w=="/>
+      <go:slidesCustomData xmlns:go="http://customooxmlschemas.google.com/" r:id="rId22" roundtripDataSignature="AMtx7mgQp74+RBz6I8iPWe6zoQ2DfVQ82Q=="/>
     </p:ext>
   </p:extLst>
 </p:presentation>
@@ -1514,7 +1514,7 @@
       </p:grpSpPr>
       <p:sp>
         <p:nvSpPr>
-          <p:cNvPr id="307" name="Google Shape;307;g13a97c8a5be_0_6:notes"/>
+          <p:cNvPr id="307" name="Google Shape;307;g13a97c8a5be_0_13:notes"/>
           <p:cNvSpPr/>
           <p:nvPr>
             <p:ph idx="2" type="sldImg"/>
@@ -1549,7 +1549,7 @@
       </p:sp>
       <p:sp>
         <p:nvSpPr>
-          <p:cNvPr id="308" name="Google Shape;308;g13a97c8a5be_0_6:notes"/>
+          <p:cNvPr id="308" name="Google Shape;308;g13a97c8a5be_0_13:notes"/>
           <p:cNvSpPr txBox="1"/>
           <p:nvPr>
             <p:ph idx="1" type="body"/>
@@ -1613,7 +1613,7 @@
       </p:grpSpPr>
       <p:sp>
         <p:nvSpPr>
-          <p:cNvPr id="314" name="Google Shape;314;g13a97c8a5be_0_13:notes"/>
+          <p:cNvPr id="314" name="Google Shape;314;g13a97c8a5be_0_41:notes"/>
           <p:cNvSpPr/>
           <p:nvPr>
             <p:ph idx="2" type="sldImg"/>
@@ -1648,7 +1648,7 @@
       </p:sp>
       <p:sp>
         <p:nvSpPr>
-          <p:cNvPr id="315" name="Google Shape;315;g13a97c8a5be_0_13:notes"/>
+          <p:cNvPr id="315" name="Google Shape;315;g13a97c8a5be_0_41:notes"/>
           <p:cNvSpPr txBox="1"/>
           <p:nvPr>
             <p:ph idx="1" type="body"/>
@@ -21781,8 +21781,8 @@
         </p:nvSpPr>
         <p:spPr>
           <a:xfrm>
-            <a:off x="1388625" y="772725"/>
-            <a:ext cx="6366900" cy="1863300"/>
+            <a:off x="1388550" y="1852450"/>
+            <a:ext cx="6366900" cy="1310400"/>
           </a:xfrm>
           <a:prstGeom prst="rect">
             <a:avLst/>
@@ -21790,7 +21790,7 @@
         </p:spPr>
         <p:txBody>
           <a:bodyPr anchorCtr="0" anchor="ctr" bIns="91425" lIns="91425" spcFirstLastPara="1" rIns="91425" wrap="square" tIns="91425">
-            <a:normAutofit/>
+            <a:normAutofit fontScale="90000"/>
           </a:bodyPr>
           <a:lstStyle/>
           <a:p>
@@ -22125,8 +22125,12 @@
               <a:buChar char="-"/>
             </a:pPr>
             <a:r>
+              <a:rPr b="1" lang="en" sz="1500"/>
+              <a:t>Discriminator</a:t>
+            </a:r>
+            <a:r>
               <a:rPr lang="en" sz="1500"/>
-              <a:t>Discriminator:  Model that is used to classify examples as real or fake.</a:t>
+              <a:t>:  Model that is used to classify examples as real or fake.</a:t>
             </a:r>
             <a:endParaRPr sz="1500"/>
           </a:p>
@@ -22146,8 +22150,12 @@
               <a:buChar char="-"/>
             </a:pPr>
             <a:r>
+              <a:rPr b="1" lang="en" sz="1500"/>
+              <a:t>Generator</a:t>
+            </a:r>
+            <a:r>
               <a:rPr lang="en" sz="1500"/>
-              <a:t>Generator:  Model that is used to generate synthetic images by learning from real-world examples.</a:t>
+              <a:t>:  Model that is used to generate synthetic images by learning from real-world examples.</a:t>
             </a:r>
             <a:endParaRPr b="1" sz="1000">
               <a:solidFill>
@@ -22392,7 +22400,7 @@
             <a:endParaRPr sz="1700"/>
           </a:p>
           <a:p>
-            <a:pPr indent="-336550" lvl="0" marL="457200" rtl="0" algn="l">
+            <a:pPr indent="0" lvl="0" marL="0" rtl="0" algn="l">
               <a:lnSpc>
                 <a:spcPct val="115000"/>
               </a:lnSpc>
@@ -22402,12 +22410,10 @@
               <a:spcAft>
                 <a:spcPts val="0"/>
               </a:spcAft>
-              <a:buSzPts val="1700"/>
-              <a:buChar char="-"/>
+              <a:buNone/>
             </a:pPr>
             <a:r>
-              <a:rPr lang="en" sz="1700"/>
-              <a:t>Define the metric of evaluation - Inception score </a:t>
+              <a:t/>
             </a:r>
             <a:endParaRPr sz="1700"/>
           </a:p>
@@ -22572,7 +22578,7 @@
       </p:grpSpPr>
       <p:sp>
         <p:nvSpPr>
-          <p:cNvPr id="310" name="Google Shape;310;g13a97c8a5be_0_6"/>
+          <p:cNvPr id="310" name="Google Shape;310;g13a97c8a5be_0_13"/>
           <p:cNvSpPr txBox="1"/>
           <p:nvPr>
             <p:ph type="title"/>
@@ -22604,7 +22610,7 @@
             </a:pPr>
             <a:r>
               <a:rPr lang="en"/>
-              <a:t>Epoch 10</a:t>
+              <a:t>Epoch 20</a:t>
             </a:r>
             <a:endParaRPr/>
           </a:p>
@@ -22612,7 +22618,7 @@
       </p:sp>
       <p:sp>
         <p:nvSpPr>
-          <p:cNvPr id="311" name="Google Shape;311;g13a97c8a5be_0_6"/>
+          <p:cNvPr id="311" name="Google Shape;311;g13a97c8a5be_0_13"/>
           <p:cNvSpPr txBox="1"/>
           <p:nvPr>
             <p:ph idx="1" type="body"/>
@@ -22651,7 +22657,7 @@
       </p:sp>
       <p:pic>
         <p:nvPicPr>
-          <p:cNvPr id="312" name="Google Shape;312;g13a97c8a5be_0_6"/>
+          <p:cNvPr id="312" name="Google Shape;312;g13a97c8a5be_0_13"/>
           <p:cNvPicPr preferRelativeResize="0"/>
           <p:nvPr/>
         </p:nvPicPr>
@@ -22665,8 +22671,8 @@
         </p:blipFill>
         <p:spPr>
           <a:xfrm>
-            <a:off x="285725" y="2177250"/>
-            <a:ext cx="8328874" cy="1833100"/>
+            <a:off x="275875" y="2066262"/>
+            <a:ext cx="8592225" cy="1913675"/>
           </a:xfrm>
           <a:prstGeom prst="rect">
             <a:avLst/>
@@ -22704,7 +22710,7 @@
       </p:grpSpPr>
       <p:sp>
         <p:nvSpPr>
-          <p:cNvPr id="317" name="Google Shape;317;g13a97c8a5be_0_13"/>
+          <p:cNvPr id="317" name="Google Shape;317;g13a97c8a5be_0_41"/>
           <p:cNvSpPr txBox="1"/>
           <p:nvPr>
             <p:ph type="title"/>
@@ -22736,7 +22742,7 @@
             </a:pPr>
             <a:r>
               <a:rPr lang="en"/>
-              <a:t>Epoch 20</a:t>
+              <a:t>Epoch 50</a:t>
             </a:r>
             <a:endParaRPr/>
           </a:p>
@@ -22744,7 +22750,7 @@
       </p:sp>
       <p:sp>
         <p:nvSpPr>
-          <p:cNvPr id="318" name="Google Shape;318;g13a97c8a5be_0_13"/>
+          <p:cNvPr id="318" name="Google Shape;318;g13a97c8a5be_0_41"/>
           <p:cNvSpPr txBox="1"/>
           <p:nvPr>
             <p:ph idx="1" type="body"/>
@@ -22783,7 +22789,7 @@
       </p:sp>
       <p:pic>
         <p:nvPicPr>
-          <p:cNvPr id="319" name="Google Shape;319;g13a97c8a5be_0_13"/>
+          <p:cNvPr id="319" name="Google Shape;319;g13a97c8a5be_0_41"/>
           <p:cNvPicPr preferRelativeResize="0"/>
           <p:nvPr/>
         </p:nvPicPr>
@@ -22797,8 +22803,8 @@
         </p:blipFill>
         <p:spPr>
           <a:xfrm>
-            <a:off x="275875" y="2066262"/>
-            <a:ext cx="8592225" cy="1913675"/>
+            <a:off x="275900" y="1761426"/>
+            <a:ext cx="8507301" cy="1874500"/>
           </a:xfrm>
           <a:prstGeom prst="rect">
             <a:avLst/>
